--- a/Video materiaal/highlights voor de boot.pptx
+++ b/Video materiaal/highlights voor de boot.pptx
@@ -5,9 +5,8 @@
     <p:sldMasterId id="2147483708" r:id="rId1"/>
   </p:sldMasterIdLst>
   <p:sldIdLst>
-    <p:sldId id="257" r:id="rId2"/>
-    <p:sldId id="256" r:id="rId3"/>
-    <p:sldId id="258" r:id="rId4"/>
+    <p:sldId id="256" r:id="rId2"/>
+    <p:sldId id="258" r:id="rId3"/>
   </p:sldIdLst>
   <p:sldSz cx="12192000" cy="6858000"/>
   <p:notesSz cx="6858000" cy="9144000"/>
@@ -106,6 +105,11 @@
       </a:defRPr>
     </a:lvl9pPr>
   </p:defaultTextStyle>
+  <p:extLst>
+    <p:ext uri="{EFAFB233-063F-42B5-8137-9DF3F51BA10A}">
+      <p15:sldGuideLst xmlns:p15="http://schemas.microsoft.com/office/powerpoint/2012/main"/>
+    </p:ext>
+  </p:extLst>
 </p:presentation>
 </file>
 
@@ -249,7 +253,7 @@
             <a:fld id="{B5898F52-2787-4BA2-BBBC-9395E9F86D50}" type="datetimeFigureOut">
               <a:rPr lang="en-US" smtClean="0"/>
               <a:pPr/>
-              <a:t>2/2/2022</a:t>
+              <a:t>2/4/2022</a:t>
             </a:fld>
             <a:endParaRPr lang="en-US" dirty="0"/>
           </a:p>
@@ -462,7 +466,7 @@
             <a:fld id="{B5898F52-2787-4BA2-BBBC-9395E9F86D50}" type="datetimeFigureOut">
               <a:rPr lang="en-US" smtClean="0"/>
               <a:pPr/>
-              <a:t>2/2/2022</a:t>
+              <a:t>2/4/2022</a:t>
             </a:fld>
             <a:endParaRPr lang="en-US" dirty="0"/>
           </a:p>
@@ -679,7 +683,7 @@
             <a:fld id="{B5898F52-2787-4BA2-BBBC-9395E9F86D50}" type="datetimeFigureOut">
               <a:rPr lang="en-US" smtClean="0"/>
               <a:pPr/>
-              <a:t>2/2/2022</a:t>
+              <a:t>2/4/2022</a:t>
             </a:fld>
             <a:endParaRPr lang="en-US" dirty="0"/>
           </a:p>
@@ -882,7 +886,7 @@
             <a:fld id="{B5898F52-2787-4BA2-BBBC-9395E9F86D50}" type="datetimeFigureOut">
               <a:rPr lang="en-US" smtClean="0"/>
               <a:pPr/>
-              <a:t>2/2/2022</a:t>
+              <a:t>2/4/2022</a:t>
             </a:fld>
             <a:endParaRPr lang="en-US" dirty="0"/>
           </a:p>
@@ -1163,7 +1167,7 @@
             <a:fld id="{B5898F52-2787-4BA2-BBBC-9395E9F86D50}" type="datetimeFigureOut">
               <a:rPr lang="en-US" smtClean="0"/>
               <a:pPr/>
-              <a:t>2/2/2022</a:t>
+              <a:t>2/4/2022</a:t>
             </a:fld>
             <a:endParaRPr lang="en-US" dirty="0"/>
           </a:p>
@@ -1433,7 +1437,7 @@
             <a:fld id="{B5898F52-2787-4BA2-BBBC-9395E9F86D50}" type="datetimeFigureOut">
               <a:rPr lang="en-US" smtClean="0"/>
               <a:pPr/>
-              <a:t>2/2/2022</a:t>
+              <a:t>2/4/2022</a:t>
             </a:fld>
             <a:endParaRPr lang="en-US" dirty="0"/>
           </a:p>
@@ -1851,7 +1855,7 @@
             <a:fld id="{B5898F52-2787-4BA2-BBBC-9395E9F86D50}" type="datetimeFigureOut">
               <a:rPr lang="en-US" smtClean="0"/>
               <a:pPr/>
-              <a:t>2/2/2022</a:t>
+              <a:t>2/4/2022</a:t>
             </a:fld>
             <a:endParaRPr lang="en-US" dirty="0"/>
           </a:p>
@@ -2002,7 +2006,7 @@
             <a:fld id="{B5898F52-2787-4BA2-BBBC-9395E9F86D50}" type="datetimeFigureOut">
               <a:rPr lang="en-US" smtClean="0"/>
               <a:pPr/>
-              <a:t>2/2/2022</a:t>
+              <a:t>2/4/2022</a:t>
             </a:fld>
             <a:endParaRPr lang="en-US" dirty="0"/>
           </a:p>
@@ -2130,7 +2134,7 @@
             <a:fld id="{B5898F52-2787-4BA2-BBBC-9395E9F86D50}" type="datetimeFigureOut">
               <a:rPr lang="en-US" smtClean="0"/>
               <a:pPr/>
-              <a:t>2/2/2022</a:t>
+              <a:t>2/4/2022</a:t>
             </a:fld>
             <a:endParaRPr lang="en-US" dirty="0"/>
           </a:p>
@@ -2383,7 +2387,7 @@
             <a:fld id="{B5898F52-2787-4BA2-BBBC-9395E9F86D50}" type="datetimeFigureOut">
               <a:rPr lang="en-US" smtClean="0"/>
               <a:pPr/>
-              <a:t>2/2/2022</a:t>
+              <a:t>2/4/2022</a:t>
             </a:fld>
             <a:endParaRPr lang="en-US" dirty="0"/>
           </a:p>
@@ -2830,7 +2834,7 @@
             <a:fld id="{B5898F52-2787-4BA2-BBBC-9395E9F86D50}" type="datetimeFigureOut">
               <a:rPr lang="en-US" smtClean="0"/>
               <a:pPr/>
-              <a:t>2/2/2022</a:t>
+              <a:t>2/4/2022</a:t>
             </a:fld>
             <a:endParaRPr lang="en-US" dirty="0"/>
           </a:p>
@@ -3159,7 +3163,7 @@
             <a:fld id="{B5898F52-2787-4BA2-BBBC-9395E9F86D50}" type="datetimeFigureOut">
               <a:rPr lang="en-US" smtClean="0"/>
               <a:pPr/>
-              <a:t>2/2/2022</a:t>
+              <a:t>2/4/2022</a:t>
             </a:fld>
             <a:endParaRPr lang="en-US" dirty="0"/>
           </a:p>
@@ -3632,204 +3636,6 @@
 <file path=ppt/slides/slide1.xml><?xml version="1.0" encoding="utf-8"?>
 <p:sld xmlns:a="http://schemas.openxmlformats.org/drawingml/2006/main" xmlns:r="http://schemas.openxmlformats.org/officeDocument/2006/relationships" xmlns:p="http://schemas.openxmlformats.org/presentationml/2006/main">
   <p:cSld>
-    <p:spTree>
-      <p:nvGrpSpPr>
-        <p:cNvPr id="1" name=""/>
-        <p:cNvGrpSpPr/>
-        <p:nvPr/>
-      </p:nvGrpSpPr>
-      <p:grpSpPr>
-        <a:xfrm>
-          <a:off x="0" y="0"/>
-          <a:ext cx="0" cy="0"/>
-          <a:chOff x="0" y="0"/>
-          <a:chExt cx="0" cy="0"/>
-        </a:xfrm>
-      </p:grpSpPr>
-      <p:sp>
-        <p:nvSpPr>
-          <p:cNvPr id="4" name="Titel 1">
-            <a:extLst>
-              <a:ext uri="{FF2B5EF4-FFF2-40B4-BE49-F238E27FC236}">
-                <a16:creationId xmlns:a16="http://schemas.microsoft.com/office/drawing/2014/main" id="{1B5026D2-CC21-4B15-A70E-896ECEF5253B}"/>
-              </a:ext>
-            </a:extLst>
-          </p:cNvPr>
-          <p:cNvSpPr>
-            <a:spLocks noGrp="1"/>
-          </p:cNvSpPr>
-          <p:nvPr>
-            <p:ph type="ctrTitle"/>
-          </p:nvPr>
-        </p:nvSpPr>
-        <p:spPr>
-          <a:xfrm>
-            <a:off x="3427430" y="2237921"/>
-            <a:ext cx="4811696" cy="1191079"/>
-          </a:xfrm>
-        </p:spPr>
-        <p:txBody>
-          <a:bodyPr>
-            <a:normAutofit/>
-          </a:bodyPr>
-          <a:lstStyle/>
-          <a:p>
-            <a:r>
-              <a:rPr lang="en-US" sz="4000" dirty="0"/>
-              <a:t>Prototype</a:t>
-            </a:r>
-            <a:endParaRPr lang="nl-NL" sz="4000" dirty="0"/>
-          </a:p>
-        </p:txBody>
-      </p:sp>
-    </p:spTree>
-    <p:extLst>
-      <p:ext uri="{BB962C8B-B14F-4D97-AF65-F5344CB8AC3E}">
-        <p14:creationId xmlns:p14="http://schemas.microsoft.com/office/powerpoint/2010/main" val="1050223458"/>
-      </p:ext>
-    </p:extLst>
-  </p:cSld>
-  <p:clrMapOvr>
-    <a:masterClrMapping/>
-  </p:clrMapOvr>
-  <p:timing>
-    <p:tnLst>
-      <p:par>
-        <p:cTn id="1" dur="indefinite" restart="never" nodeType="tmRoot">
-          <p:childTnLst>
-            <p:seq concurrent="1" nextAc="seek">
-              <p:cTn id="2" dur="indefinite" nodeType="mainSeq">
-                <p:childTnLst>
-                  <p:par>
-                    <p:cTn id="3" fill="hold">
-                      <p:stCondLst>
-                        <p:cond delay="indefinite"/>
-                      </p:stCondLst>
-                      <p:childTnLst>
-                        <p:par>
-                          <p:cTn id="4" fill="hold">
-                            <p:stCondLst>
-                              <p:cond delay="0"/>
-                            </p:stCondLst>
-                            <p:childTnLst>
-                              <p:par>
-                                <p:cTn id="5" presetID="42" presetClass="entr" presetSubtype="0" fill="hold" grpId="0" nodeType="clickEffect">
-                                  <p:stCondLst>
-                                    <p:cond delay="0"/>
-                                  </p:stCondLst>
-                                  <p:childTnLst>
-                                    <p:set>
-                                      <p:cBhvr>
-                                        <p:cTn id="6" dur="1" fill="hold">
-                                          <p:stCondLst>
-                                            <p:cond delay="0"/>
-                                          </p:stCondLst>
-                                        </p:cTn>
-                                        <p:tgtEl>
-                                          <p:spTgt spid="4"/>
-                                        </p:tgtEl>
-                                        <p:attrNameLst>
-                                          <p:attrName>style.visibility</p:attrName>
-                                        </p:attrNameLst>
-                                      </p:cBhvr>
-                                      <p:to>
-                                        <p:strVal val="visible"/>
-                                      </p:to>
-                                    </p:set>
-                                    <p:animEffect transition="in" filter="fade">
-                                      <p:cBhvr>
-                                        <p:cTn id="7" dur="1000"/>
-                                        <p:tgtEl>
-                                          <p:spTgt spid="4"/>
-                                        </p:tgtEl>
-                                      </p:cBhvr>
-                                    </p:animEffect>
-                                    <p:anim calcmode="lin" valueType="num">
-                                      <p:cBhvr>
-                                        <p:cTn id="8" dur="1000" fill="hold"/>
-                                        <p:tgtEl>
-                                          <p:spTgt spid="4"/>
-                                        </p:tgtEl>
-                                        <p:attrNameLst>
-                                          <p:attrName>ppt_x</p:attrName>
-                                        </p:attrNameLst>
-                                      </p:cBhvr>
-                                      <p:tavLst>
-                                        <p:tav tm="0">
-                                          <p:val>
-                                            <p:strVal val="#ppt_x"/>
-                                          </p:val>
-                                        </p:tav>
-                                        <p:tav tm="100000">
-                                          <p:val>
-                                            <p:strVal val="#ppt_x"/>
-                                          </p:val>
-                                        </p:tav>
-                                      </p:tavLst>
-                                    </p:anim>
-                                    <p:anim calcmode="lin" valueType="num">
-                                      <p:cBhvr>
-                                        <p:cTn id="9" dur="1000" fill="hold"/>
-                                        <p:tgtEl>
-                                          <p:spTgt spid="4"/>
-                                        </p:tgtEl>
-                                        <p:attrNameLst>
-                                          <p:attrName>ppt_y</p:attrName>
-                                        </p:attrNameLst>
-                                      </p:cBhvr>
-                                      <p:tavLst>
-                                        <p:tav tm="0">
-                                          <p:val>
-                                            <p:strVal val="#ppt_y+.1"/>
-                                          </p:val>
-                                        </p:tav>
-                                        <p:tav tm="100000">
-                                          <p:val>
-                                            <p:strVal val="#ppt_y"/>
-                                          </p:val>
-                                        </p:tav>
-                                      </p:tavLst>
-                                    </p:anim>
-                                  </p:childTnLst>
-                                </p:cTn>
-                              </p:par>
-                            </p:childTnLst>
-                          </p:cTn>
-                        </p:par>
-                      </p:childTnLst>
-                    </p:cTn>
-                  </p:par>
-                </p:childTnLst>
-              </p:cTn>
-              <p:prevCondLst>
-                <p:cond evt="onPrev" delay="0">
-                  <p:tgtEl>
-                    <p:sldTgt/>
-                  </p:tgtEl>
-                </p:cond>
-              </p:prevCondLst>
-              <p:nextCondLst>
-                <p:cond evt="onNext" delay="0">
-                  <p:tgtEl>
-                    <p:sldTgt/>
-                  </p:tgtEl>
-                </p:cond>
-              </p:nextCondLst>
-            </p:seq>
-          </p:childTnLst>
-        </p:cTn>
-      </p:par>
-    </p:tnLst>
-    <p:bldLst>
-      <p:bldP spid="4" grpId="0"/>
-    </p:bldLst>
-  </p:timing>
-</p:sld>
-</file>
-
-<file path=ppt/slides/slide2.xml><?xml version="1.0" encoding="utf-8"?>
-<p:sld xmlns:a="http://schemas.openxmlformats.org/drawingml/2006/main" xmlns:r="http://schemas.openxmlformats.org/officeDocument/2006/relationships" xmlns:p="http://schemas.openxmlformats.org/presentationml/2006/main">
-  <p:cSld>
     <p:bg>
       <p:bgPr>
         <a:gradFill rotWithShape="1">
@@ -4389,7 +4195,7 @@
 </p:sld>
 </file>
 
-<file path=ppt/slides/slide3.xml><?xml version="1.0" encoding="utf-8"?>
+<file path=ppt/slides/slide2.xml><?xml version="1.0" encoding="utf-8"?>
 <p:sld xmlns:a="http://schemas.openxmlformats.org/drawingml/2006/main" xmlns:r="http://schemas.openxmlformats.org/officeDocument/2006/relationships" xmlns:p="http://schemas.openxmlformats.org/presentationml/2006/main">
   <p:cSld>
     <p:spTree>
